--- a/db_project_Maystrenko.pptx
+++ b/db_project_Maystrenko.pptx
@@ -134,6 +134,14 @@
 </p:presentation>
 </file>
 
+<file path=ppt/revisionInfo.xml><?xml version="1.0" encoding="utf-8"?>
+<p1510:revInfo xmlns:a="http://schemas.openxmlformats.org/drawingml/2006/main" xmlns:r="http://schemas.openxmlformats.org/officeDocument/2006/relationships" xmlns:p1510="http://schemas.microsoft.com/office/powerpoint/2015/10/main">
+  <p1510:revLst>
+    <p1510:client id="{F6C80CD7-2F4E-4A95-9320-575A2953A9F1}" v="236" dt="2020-04-16T16:19:44.384"/>
+  </p1510:revLst>
+</p1510:revInfo>
+</file>
+
 <file path=ppt/notesMasters/notesMaster1.xml><?xml version="1.0" encoding="utf-8"?>
 <p:notesMaster xmlns:a="http://schemas.openxmlformats.org/drawingml/2006/main" xmlns:r="http://schemas.openxmlformats.org/officeDocument/2006/relationships" xmlns:p="http://schemas.openxmlformats.org/presentationml/2006/main">
   <p:cSld>
@@ -280,35 +288,35 @@
           <a:p>
             <a:pPr lvl="0"/>
             <a:r>
-              <a:rPr lang="ru-RU" smtClean="0"/>
+              <a:rPr lang="ru-RU"/>
               <a:t>Образец текста</a:t>
             </a:r>
           </a:p>
           <a:p>
             <a:pPr lvl="1"/>
             <a:r>
-              <a:rPr lang="ru-RU" smtClean="0"/>
+              <a:rPr lang="ru-RU"/>
               <a:t>Второй уровень</a:t>
             </a:r>
           </a:p>
           <a:p>
             <a:pPr lvl="2"/>
             <a:r>
-              <a:rPr lang="ru-RU" smtClean="0"/>
+              <a:rPr lang="ru-RU"/>
               <a:t>Третий уровень</a:t>
             </a:r>
           </a:p>
           <a:p>
             <a:pPr lvl="3"/>
             <a:r>
-              <a:rPr lang="ru-RU" smtClean="0"/>
+              <a:rPr lang="ru-RU"/>
               <a:t>Четвертый уровень</a:t>
             </a:r>
           </a:p>
           <a:p>
             <a:pPr lvl="4"/>
             <a:r>
-              <a:rPr lang="ru-RU" smtClean="0"/>
+              <a:rPr lang="ru-RU"/>
               <a:t>Пятый уровень</a:t>
             </a:r>
             <a:endParaRPr lang="en-US"/>
@@ -1868,7 +1876,7 @@
               </a:spcBef>
             </a:pPr>
             <a:r>
-              <a:rPr lang="uk-UA" spc="-65" dirty="0" smtClean="0"/>
+              <a:rPr lang="uk-UA" spc="-65" dirty="0"/>
               <a:t>Телеграм бот для пошуку рецептів страв</a:t>
             </a:r>
             <a:endParaRPr spc="10" dirty="0"/>
@@ -2131,7 +2139,7 @@
               </a:lnSpc>
             </a:pPr>
             <a:r>
-              <a:rPr lang="uk-UA" sz="1400" b="1" spc="-5" dirty="0" smtClean="0">
+              <a:rPr lang="uk-UA" sz="1400" b="1" spc="-5" dirty="0">
                 <a:solidFill>
                   <a:srgbClr val="233F60"/>
                 </a:solidFill>
@@ -2197,7 +2205,7 @@
               <a:t> </a:t>
             </a:r>
             <a:r>
-              <a:rPr sz="1400" b="1" spc="-5" dirty="0" smtClean="0">
+              <a:rPr sz="1400" b="1" spc="-5" dirty="0">
                 <a:solidFill>
                   <a:srgbClr val="233F60"/>
                 </a:solidFill>
@@ -2207,7 +2215,7 @@
               <a:t>20</a:t>
             </a:r>
             <a:r>
-              <a:rPr lang="uk-UA" sz="1400" b="1" spc="-5" dirty="0" smtClean="0">
+              <a:rPr lang="uk-UA" sz="1400" b="1" spc="-5" dirty="0">
                 <a:solidFill>
                   <a:srgbClr val="233F60"/>
                 </a:solidFill>
@@ -2386,20 +2394,20 @@
               <a:buChar char="•"/>
             </a:pPr>
             <a:r>
-              <a:rPr lang="uk-UA" sz="1400" spc="-10" dirty="0" smtClean="0">
+              <a:rPr lang="uk-UA" sz="1400" spc="-10" dirty="0">
                 <a:latin typeface="Arial"/>
                 <a:cs typeface="Arial"/>
               </a:rPr>
               <a:t>Пошук рецептів в інтернеті</a:t>
             </a:r>
             <a:r>
-              <a:rPr sz="1400" spc="-5" dirty="0" smtClean="0">
+              <a:rPr sz="1400" spc="-5" dirty="0">
                 <a:latin typeface="Arial"/>
                 <a:cs typeface="Arial"/>
               </a:rPr>
               <a:t>.</a:t>
             </a:r>
-            <a:endParaRPr lang="uk-UA" sz="1400" spc="-5" dirty="0" smtClean="0">
+            <a:endParaRPr lang="uk-UA" sz="1400" spc="-5" dirty="0">
               <a:latin typeface="Arial"/>
               <a:cs typeface="Arial"/>
             </a:endParaRPr>
@@ -2416,49 +2424,49 @@
               <a:buChar char="•"/>
             </a:pPr>
             <a:r>
-              <a:rPr lang="ru-RU" sz="1400" spc="-5" dirty="0" err="1" smtClean="0">
+              <a:rPr lang="ru-RU" sz="1400" spc="-5" dirty="0" err="1">
                 <a:latin typeface="Arial"/>
                 <a:cs typeface="Arial"/>
               </a:rPr>
               <a:t>Пошук</a:t>
             </a:r>
             <a:r>
-              <a:rPr lang="ru-RU" sz="1400" spc="-5" dirty="0" smtClean="0">
+              <a:rPr lang="ru-RU" sz="1400" spc="-5" dirty="0">
                 <a:latin typeface="Arial"/>
                 <a:cs typeface="Arial"/>
               </a:rPr>
               <a:t> </a:t>
             </a:r>
             <a:r>
-              <a:rPr lang="ru-RU" sz="1400" spc="-5" dirty="0" err="1" smtClean="0">
+              <a:rPr lang="ru-RU" sz="1400" spc="-5" dirty="0" err="1">
                 <a:latin typeface="Arial"/>
                 <a:cs typeface="Arial"/>
               </a:rPr>
               <a:t>рецептів</a:t>
             </a:r>
             <a:r>
-              <a:rPr lang="ru-RU" sz="1400" spc="-5" dirty="0" smtClean="0">
+              <a:rPr lang="ru-RU" sz="1400" spc="-5" dirty="0">
                 <a:latin typeface="Arial"/>
                 <a:cs typeface="Arial"/>
               </a:rPr>
               <a:t> в </a:t>
             </a:r>
             <a:r>
-              <a:rPr lang="ru-RU" sz="1400" spc="-5" dirty="0" err="1" smtClean="0">
+              <a:rPr lang="ru-RU" sz="1400" spc="-5" dirty="0" err="1">
                 <a:latin typeface="Arial"/>
                 <a:cs typeface="Arial"/>
               </a:rPr>
               <a:t>кулінарних</a:t>
             </a:r>
             <a:r>
-              <a:rPr lang="ru-RU" sz="1400" spc="-5" dirty="0" smtClean="0">
+              <a:rPr lang="ru-RU" sz="1400" spc="-5" dirty="0">
                 <a:latin typeface="Arial"/>
                 <a:cs typeface="Arial"/>
               </a:rPr>
               <a:t> книгах, журналах</a:t>
             </a:r>
             <a:r>
-              <a:rPr lang="ru-RU" sz="1400" spc="-30" dirty="0" smtClean="0">
+              <a:rPr lang="ru-RU" sz="1400" spc="-30" dirty="0">
                 <a:latin typeface="Arial"/>
                 <a:cs typeface="Arial"/>
               </a:rPr>
@@ -2477,41 +2485,41 @@
               <a:buChar char="•"/>
             </a:pPr>
             <a:r>
-              <a:rPr lang="ru-RU" sz="1400" spc="-30" dirty="0" err="1" smtClean="0">
+              <a:rPr lang="ru-RU" sz="1400" spc="-30" dirty="0" err="1">
                 <a:latin typeface="Arial"/>
                 <a:cs typeface="Arial"/>
               </a:rPr>
               <a:t>Намагання</a:t>
             </a:r>
             <a:r>
-              <a:rPr lang="ru-RU" sz="1400" spc="-30" dirty="0" smtClean="0">
+              <a:rPr lang="ru-RU" sz="1400" spc="-30" dirty="0">
                 <a:latin typeface="Arial"/>
                 <a:cs typeface="Arial"/>
               </a:rPr>
               <a:t> </a:t>
             </a:r>
             <a:r>
-              <a:rPr lang="ru-RU" sz="1400" spc="-30" dirty="0" err="1" smtClean="0">
+              <a:rPr lang="ru-RU" sz="1400" spc="-30" dirty="0" err="1">
                 <a:latin typeface="Arial"/>
                 <a:cs typeface="Arial"/>
               </a:rPr>
               <a:t>дізнатися</a:t>
             </a:r>
             <a:r>
-              <a:rPr lang="ru-RU" sz="1400" spc="-30" dirty="0" smtClean="0">
+              <a:rPr lang="ru-RU" sz="1400" spc="-30" dirty="0">
                 <a:latin typeface="Arial"/>
                 <a:cs typeface="Arial"/>
               </a:rPr>
               <a:t> рецепт у </a:t>
             </a:r>
             <a:r>
-              <a:rPr lang="ru-RU" sz="1400" spc="-30" dirty="0" err="1" smtClean="0">
+              <a:rPr lang="ru-RU" sz="1400" spc="-30" dirty="0" err="1">
                 <a:latin typeface="Arial"/>
                 <a:cs typeface="Arial"/>
               </a:rPr>
               <a:t>знайомих</a:t>
             </a:r>
-            <a:endParaRPr lang="ru-RU" sz="1400" spc="-30" dirty="0" smtClean="0">
+            <a:endParaRPr lang="ru-RU" sz="1400" spc="-30" dirty="0">
               <a:latin typeface="Arial"/>
               <a:cs typeface="Arial"/>
             </a:endParaRPr>
@@ -2528,42 +2536,42 @@
               <a:buChar char="•"/>
             </a:pPr>
             <a:r>
-              <a:rPr lang="ru-RU" sz="1400" spc="-30" dirty="0" err="1" smtClean="0">
+              <a:rPr lang="ru-RU" sz="1400" spc="-30" dirty="0" err="1">
                 <a:latin typeface="Arial"/>
                 <a:cs typeface="Arial"/>
               </a:rPr>
               <a:t>Ведення</a:t>
             </a:r>
             <a:r>
-              <a:rPr lang="ru-RU" sz="1400" spc="-30" dirty="0" smtClean="0">
+              <a:rPr lang="ru-RU" sz="1400" spc="-30" dirty="0">
                 <a:latin typeface="Arial"/>
                 <a:cs typeface="Arial"/>
               </a:rPr>
               <a:t> </a:t>
             </a:r>
             <a:r>
-              <a:rPr lang="ru-RU" sz="1400" spc="-30" dirty="0" err="1" smtClean="0">
+              <a:rPr lang="ru-RU" sz="1400" spc="-30" dirty="0" err="1">
                 <a:latin typeface="Arial"/>
                 <a:cs typeface="Arial"/>
               </a:rPr>
               <a:t>паперової</a:t>
             </a:r>
             <a:r>
-              <a:rPr lang="ru-RU" sz="1400" spc="-30" dirty="0" smtClean="0">
+              <a:rPr lang="ru-RU" sz="1400" spc="-30" dirty="0">
                 <a:latin typeface="Arial"/>
                 <a:cs typeface="Arial"/>
               </a:rPr>
               <a:t> </a:t>
             </a:r>
             <a:r>
-              <a:rPr lang="ru-RU" sz="1400" spc="-30" dirty="0" err="1" smtClean="0">
+              <a:rPr lang="ru-RU" sz="1400" spc="-30" dirty="0" err="1">
                 <a:latin typeface="Arial"/>
                 <a:cs typeface="Arial"/>
               </a:rPr>
               <a:t>кулінарної</a:t>
             </a:r>
             <a:r>
-              <a:rPr lang="ru-RU" sz="1400" spc="-30" dirty="0" smtClean="0">
+              <a:rPr lang="ru-RU" sz="1400" spc="-30" dirty="0">
                 <a:latin typeface="Arial"/>
                 <a:cs typeface="Arial"/>
               </a:rPr>
@@ -2581,7 +2589,7 @@
               <a:buFont typeface="Arial" panose="020B0604020202020204" pitchFamily="34" charset="0"/>
               <a:buChar char="•"/>
             </a:pPr>
-            <a:endParaRPr lang="ru-RU" sz="1400" spc="-30" dirty="0" smtClean="0">
+            <a:endParaRPr lang="ru-RU" sz="1400" spc="-30" dirty="0">
               <a:latin typeface="Arial"/>
               <a:cs typeface="Arial"/>
             </a:endParaRPr>
@@ -2597,7 +2605,7 @@
               <a:buFont typeface="Arial" panose="020B0604020202020204" pitchFamily="34" charset="0"/>
               <a:buChar char="•"/>
             </a:pPr>
-            <a:endParaRPr lang="ru-RU" sz="1400" dirty="0" smtClean="0">
+            <a:endParaRPr lang="ru-RU" sz="1400" dirty="0">
               <a:latin typeface="Arial"/>
               <a:cs typeface="Arial"/>
             </a:endParaRPr>
@@ -2724,7 +2732,7 @@
               </a:tabLst>
             </a:pPr>
             <a:r>
-              <a:rPr lang="uk-UA" sz="1400" i="1" spc="-10" dirty="0" smtClean="0">
+              <a:rPr lang="uk-UA" sz="1400" i="1" spc="-10" dirty="0">
                 <a:solidFill>
                   <a:srgbClr val="BF0000"/>
                 </a:solidFill>
@@ -2753,7 +2761,7 @@
               </a:tabLst>
             </a:pPr>
             <a:r>
-              <a:rPr lang="uk-UA" sz="1400" i="1" spc="-10" dirty="0" smtClean="0">
+              <a:rPr lang="uk-UA" sz="1400" i="1" spc="-10" dirty="0">
                 <a:solidFill>
                   <a:srgbClr val="BF0000"/>
                 </a:solidFill>
@@ -2782,7 +2790,7 @@
               </a:tabLst>
             </a:pPr>
             <a:r>
-              <a:rPr lang="uk-UA" sz="1400" i="1" spc="-5" dirty="0" smtClean="0">
+              <a:rPr lang="uk-UA" sz="1400" i="1" spc="-5" dirty="0">
                 <a:solidFill>
                   <a:srgbClr val="BF0000"/>
                 </a:solidFill>
@@ -2957,7 +2965,7 @@
               </a:tabLst>
             </a:pPr>
             <a:r>
-              <a:rPr lang="uk-UA" sz="1400" i="1" dirty="0" smtClean="0">
+              <a:rPr lang="uk-UA" sz="1400" i="1" dirty="0">
                 <a:solidFill>
                   <a:srgbClr val="00AF4F"/>
                 </a:solidFill>
@@ -2986,7 +2994,7 @@
               </a:tabLst>
             </a:pPr>
             <a:r>
-              <a:rPr lang="uk-UA" sz="1400" i="1" spc="-10" dirty="0" smtClean="0">
+              <a:rPr lang="uk-UA" sz="1400" i="1" spc="-10" dirty="0">
                 <a:solidFill>
                   <a:srgbClr val="00AF4F"/>
                 </a:solidFill>
@@ -3011,7 +3019,7 @@
               </a:tabLst>
             </a:pPr>
             <a:r>
-              <a:rPr lang="uk-UA" sz="1400" i="1" spc="-10" dirty="0" smtClean="0">
+              <a:rPr lang="uk-UA" sz="1400" i="1" spc="-10" dirty="0">
                 <a:solidFill>
                   <a:srgbClr val="00AF4F"/>
                 </a:solidFill>
@@ -3315,7 +3323,7 @@
               <a:t> у </a:t>
             </a:r>
             <a:r>
-              <a:rPr lang="uk-UA" sz="1600" spc="-30" dirty="0" smtClean="0">
+              <a:rPr lang="uk-UA" sz="1600" spc="-30" dirty="0">
                 <a:latin typeface="Arial"/>
                 <a:cs typeface="Arial"/>
               </a:rPr>
@@ -3412,7 +3420,7 @@
               </a:tabLst>
             </a:pPr>
             <a:r>
-              <a:rPr lang="uk-UA" spc="-5" dirty="0" smtClean="0">
+              <a:rPr lang="uk-UA" spc="-5" dirty="0">
                 <a:latin typeface="Carlito"/>
                 <a:cs typeface="Carlito"/>
               </a:rPr>
@@ -3434,7 +3442,7 @@
               </a:tabLst>
             </a:pPr>
             <a:r>
-              <a:rPr lang="uk-UA" sz="1800" spc="-5" dirty="0" smtClean="0">
+              <a:rPr lang="uk-UA" sz="1800" spc="-5" dirty="0">
                 <a:latin typeface="Carlito"/>
                 <a:cs typeface="Carlito"/>
               </a:rPr>
@@ -3456,7 +3464,7 @@
               </a:tabLst>
             </a:pPr>
             <a:r>
-              <a:rPr lang="uk-UA" spc="-5" dirty="0" smtClean="0">
+              <a:rPr lang="uk-UA" spc="-5" dirty="0">
                 <a:latin typeface="Carlito"/>
                 <a:cs typeface="Carlito"/>
               </a:rPr>
@@ -3478,21 +3486,21 @@
               </a:tabLst>
             </a:pPr>
             <a:r>
-              <a:rPr lang="uk-UA" sz="1800" spc="-5" dirty="0" smtClean="0">
+              <a:rPr lang="uk-UA" sz="1800" spc="-5" dirty="0">
                 <a:latin typeface="Carlito"/>
                 <a:cs typeface="Carlito"/>
               </a:rPr>
               <a:t>Реалізація </a:t>
             </a:r>
             <a:r>
-              <a:rPr lang="uk-UA" spc="-5" dirty="0" smtClean="0">
+              <a:rPr lang="uk-UA" spc="-5" dirty="0">
                 <a:latin typeface="Carlito"/>
                 <a:cs typeface="Carlito"/>
               </a:rPr>
               <a:t>е</a:t>
             </a:r>
             <a:r>
-              <a:rPr lang="uk-UA" sz="1800" spc="-5" dirty="0" smtClean="0">
+              <a:rPr lang="uk-UA" sz="1800" spc="-5" dirty="0">
                 <a:latin typeface="Carlito"/>
                 <a:cs typeface="Carlito"/>
               </a:rPr>
@@ -3567,7 +3575,7 @@
           <a:p>
             <a:pPr algn="ctr"/>
             <a:r>
-              <a:rPr lang="uk-UA" b="0" dirty="0" smtClean="0"/>
+              <a:rPr lang="uk-UA" b="0" dirty="0"/>
               <a:t>Бізнес правила</a:t>
             </a:r>
             <a:endParaRPr lang="en-US" b="0" dirty="0"/>
@@ -3587,11 +3595,13 @@
         <p:spPr>
           <a:xfrm>
             <a:off x="457190" y="1524000"/>
-            <a:ext cx="8229600" cy="4985980"/>
-          </a:xfrm>
-        </p:spPr>
-        <p:txBody>
-          <a:bodyPr/>
+            <a:ext cx="8229600" cy="5774017"/>
+          </a:xfrm>
+        </p:spPr>
+        <p:txBody>
+          <a:bodyPr wrap="square" lIns="0" tIns="0" rIns="0" bIns="0" anchor="t">
+            <a:spAutoFit/>
+          </a:bodyPr>
           <a:lstStyle/>
           <a:p>
             <a:pPr marL="285750" indent="-285750">
@@ -3602,15 +3612,15 @@
               <a:buChar char="•"/>
             </a:pPr>
             <a:r>
-              <a:rPr lang="uk-UA" dirty="0" smtClean="0"/>
+              <a:rPr lang="uk-UA" dirty="0"/>
               <a:t>Лише зареєстрований в </a:t>
             </a:r>
             <a:r>
-              <a:rPr lang="en-US" dirty="0" smtClean="0"/>
+              <a:rPr lang="en-US" dirty="0"/>
               <a:t>Telegram </a:t>
             </a:r>
             <a:r>
-              <a:rPr lang="uk-UA" dirty="0" smtClean="0"/>
+              <a:rPr lang="uk-UA" dirty="0"/>
               <a:t>користувач має можливість користуватися ботом</a:t>
             </a:r>
           </a:p>
@@ -3623,11 +3633,11 @@
               <a:buChar char="•"/>
             </a:pPr>
             <a:r>
-              <a:rPr lang="uk-UA" dirty="0" smtClean="0"/>
+              <a:rPr lang="uk-UA" dirty="0"/>
               <a:t>Для початку пошуку в боті користувач має ввести ключове слово </a:t>
             </a:r>
             <a:r>
-              <a:rPr lang="en-US" dirty="0" smtClean="0"/>
+              <a:rPr lang="en-US" dirty="0"/>
               <a:t>/start</a:t>
             </a:r>
           </a:p>
@@ -3640,7 +3650,7 @@
               <a:buChar char="•"/>
             </a:pPr>
             <a:r>
-              <a:rPr lang="uk-UA" dirty="0" smtClean="0"/>
+              <a:rPr lang="uk-UA" dirty="0"/>
               <a:t>Натиснувши кнопку «Як працює бот» користувач має ознайомитися з правилами користування ботом</a:t>
             </a:r>
           </a:p>
@@ -3653,7 +3663,7 @@
               <a:buChar char="•"/>
             </a:pPr>
             <a:r>
-              <a:rPr lang="uk-UA" dirty="0" smtClean="0"/>
+              <a:rPr lang="uk-UA" dirty="0"/>
               <a:t>Користувач має використовувати лише існуючі команди боту</a:t>
             </a:r>
           </a:p>
@@ -3666,14 +3676,10 @@
               <a:buChar char="•"/>
             </a:pPr>
             <a:r>
-              <a:rPr lang="uk-UA" dirty="0" smtClean="0"/>
-              <a:t>Користувач має вводити лише реально існуючі назви </a:t>
-            </a:r>
-            <a:r>
-              <a:rPr lang="uk-UA" dirty="0" smtClean="0"/>
-              <a:t>страв</a:t>
-            </a:r>
-            <a:endParaRPr lang="en-US" dirty="0" smtClean="0"/>
+              <a:rPr lang="uk-UA" dirty="0"/>
+              <a:t>Користувач має вводити лише реально існуючі назви страв</a:t>
+            </a:r>
+            <a:endParaRPr lang="en-US" dirty="0"/>
           </a:p>
           <a:p>
             <a:pPr marL="285750" indent="-285750">
@@ -3684,7 +3690,7 @@
               <a:buChar char="•"/>
             </a:pPr>
             <a:r>
-              <a:rPr lang="uk-UA" dirty="0" smtClean="0"/>
+              <a:rPr lang="uk-UA" dirty="0"/>
               <a:t>Обравши відповідну категорію страв, користувач має ввести назву страви, яка належить цій категорії, в протилежному випадку, бот не зможе знайти сраву</a:t>
             </a:r>
           </a:p>
@@ -3697,9 +3703,10 @@
               <a:buChar char="•"/>
             </a:pPr>
             <a:r>
-              <a:rPr lang="uk-UA" dirty="0" smtClean="0"/>
-              <a:t>Користува може знайти в кулінарній книзі лише ті страви, які він додав у неї</a:t>
-            </a:r>
+              <a:rPr lang="uk-UA" dirty="0"/>
+              <a:t>Користувач може знайти в кулінарній книзі лише ті страви, які він додав у неї</a:t>
+            </a:r>
+            <a:endParaRPr lang="" dirty="0"/>
           </a:p>
           <a:p>
             <a:pPr marL="285750" indent="-285750">
@@ -3710,10 +3717,22 @@
               <a:buChar char="•"/>
             </a:pPr>
             <a:r>
-              <a:rPr lang="uk-UA" dirty="0" smtClean="0"/>
+              <a:rPr lang="uk-UA" dirty="0"/>
+              <a:t>Користувач не зможе знайти рецепт в книзі, якщо він туди ще не додав жодного рецепту </a:t>
+            </a:r>
+          </a:p>
+          <a:p>
+            <a:pPr marL="285750" indent="-285750">
+              <a:lnSpc>
+                <a:spcPct val="150000"/>
+              </a:lnSpc>
+              <a:buFont typeface="Arial" panose="020B0604020202020204" pitchFamily="34" charset="0"/>
+              <a:buChar char="•"/>
+            </a:pPr>
+            <a:r>
+              <a:rPr lang="uk-UA" dirty="0"/>
               <a:t>При видаленні боту, кулінарна книга користувача автоматично видаляється</a:t>
             </a:r>
-            <a:endParaRPr lang="uk-UA" dirty="0" smtClean="0"/>
           </a:p>
           <a:p>
             <a:pPr>
